--- a/Section 4/Video 4.4/4.4.pptx
+++ b/Section 4/Video 4.4/4.4.pptx
@@ -610,6 +610,38 @@
             <a:br>
               <a:rPr lang="en-US" dirty="0"/>
             </a:br>
+            <a:endParaRPr lang="en-US" dirty="0"/>
+          </a:p>
+          <a:p>
+            <a:pPr marL="0" marR="0" lvl="0" indent="0" algn="l" defTabSz="1829425" rtl="0" eaLnBrk="1" fontAlgn="auto" latinLnBrk="0" hangingPunct="1">
+              <a:lnSpc>
+                <a:spcPct val="100000"/>
+              </a:lnSpc>
+              <a:spcBef>
+                <a:spcPts val="0"/>
+              </a:spcBef>
+              <a:spcAft>
+                <a:spcPts val="0"/>
+              </a:spcAft>
+              <a:buClrTx/>
+              <a:buSzTx/>
+              <a:buFontTx/>
+              <a:buNone/>
+              <a:tabLst/>
+              <a:defRPr/>
+            </a:pPr>
+            <a:r>
+              <a:rPr lang="en-US" dirty="0"/>
+              <a:t>The Radio Buttons and Checkboxes are two of the many TYPES of input associated with the INPUT element.</a:t>
+            </a:r>
+          </a:p>
+          <a:p>
+            <a:pPr lvl="0" rtl="0">
+              <a:spcBef>
+                <a:spcPts val="0"/>
+              </a:spcBef>
+              <a:buNone/>
+            </a:pPr>
             <a:endParaRPr dirty="0"/>
           </a:p>
         </p:txBody>
@@ -717,18 +749,6 @@
               <a:buNone/>
             </a:pPr>
             <a:endParaRPr lang="en-US" dirty="0"/>
-          </a:p>
-          <a:p>
-            <a:pPr lvl="0">
-              <a:spcBef>
-                <a:spcPts val="0"/>
-              </a:spcBef>
-              <a:buNone/>
-            </a:pPr>
-            <a:r>
-              <a:rPr lang="en-US" dirty="0"/>
-              <a:t>The Radio Buttons and Checkboxes are two of the many TYPES of input associated with the INPUT element.</a:t>
-            </a:r>
           </a:p>
           <a:p>
             <a:pPr lvl="0">
@@ -3221,7 +3241,23 @@
                   <a:srgbClr val="333333"/>
                 </a:solidFill>
               </a:rPr>
-              <a:t> affect the value attribute</a:t>
+              <a:t> affect the </a:t>
+            </a:r>
+            <a:r>
+              <a:rPr lang="en-US" sz="4002" b="1" dirty="0">
+                <a:solidFill>
+                  <a:srgbClr val="333333"/>
+                </a:solidFill>
+              </a:rPr>
+              <a:t>value</a:t>
+            </a:r>
+            <a:r>
+              <a:rPr lang="en-US" sz="4002" dirty="0">
+                <a:solidFill>
+                  <a:srgbClr val="333333"/>
+                </a:solidFill>
+              </a:rPr>
+              <a:t> attribute</a:t>
             </a:r>
           </a:p>
           <a:p>
@@ -3407,7 +3443,23 @@
                   <a:srgbClr val="333333"/>
                 </a:solidFill>
               </a:rPr>
-              <a:t> does not affect the value attribute</a:t>
+              <a:t> do not affect the </a:t>
+            </a:r>
+            <a:r>
+              <a:rPr lang="en-US" sz="4002" b="1" dirty="0">
+                <a:solidFill>
+                  <a:srgbClr val="333333"/>
+                </a:solidFill>
+              </a:rPr>
+              <a:t>value</a:t>
+            </a:r>
+            <a:r>
+              <a:rPr lang="en-US" sz="4002" dirty="0">
+                <a:solidFill>
+                  <a:srgbClr val="333333"/>
+                </a:solidFill>
+              </a:rPr>
+              <a:t> attribute</a:t>
             </a:r>
           </a:p>
           <a:p>
